--- a/NilamHut.pptx
+++ b/NilamHut.pptx
@@ -7431,9 +7431,18 @@
   <p:clrMapOvr>
     <a:masterClrMapping/>
   </p:clrMapOvr>
-  <p:transition spd="slow">
-    <p:wipe/>
-  </p:transition>
+  <mc:AlternateContent xmlns:mc="http://schemas.openxmlformats.org/markup-compatibility/2006">
+    <mc:Choice xmlns:p14="http://schemas.microsoft.com/office/powerpoint/2010/main" Requires="p14">
+      <p:transition spd="med" p14:dur="700">
+        <p:fade/>
+      </p:transition>
+    </mc:Choice>
+    <mc:Fallback>
+      <p:transition spd="med">
+        <p:fade/>
+      </p:transition>
+    </mc:Fallback>
+  </mc:AlternateContent>
   <p:timing>
     <p:tnLst>
       <p:par>
@@ -7550,13 +7559,13 @@
   <p:clrMapOvr>
     <a:masterClrMapping/>
   </p:clrMapOvr>
-  <mc:AlternateContent xmlns:mc="http://schemas.openxmlformats.org/markup-compatibility/2006">
-    <mc:Choice xmlns:p14="http://schemas.microsoft.com/office/powerpoint/2010/main" Requires="p14">
+  <mc:AlternateContent xmlns:mc="http://schemas.openxmlformats.org/markup-compatibility/2006" xmlns:p14="http://schemas.microsoft.com/office/powerpoint/2010/main">
+    <mc:Choice Requires="p14">
       <p:transition spd="med" p14:dur="700">
         <p:fade/>
       </p:transition>
     </mc:Choice>
-    <mc:Fallback>
+    <mc:Fallback xmlns="">
       <p:transition spd="med">
         <p:fade/>
       </p:transition>
@@ -8745,14 +8754,14 @@
   <p:clrMapOvr>
     <a:masterClrMapping/>
   </p:clrMapOvr>
-  <mc:AlternateContent xmlns:mc="http://schemas.openxmlformats.org/markup-compatibility/2006" xmlns:p14="http://schemas.microsoft.com/office/powerpoint/2010/main">
-    <mc:Choice Requires="p14">
-      <p:transition spd="med" p14:dur="700">
-        <p:fade/>
+  <mc:AlternateContent xmlns:mc="http://schemas.openxmlformats.org/markup-compatibility/2006">
+    <mc:Choice xmlns:p15="http://schemas.microsoft.com/office/powerpoint/2012/main" Requires="p15">
+      <p:transition xmlns:p14="http://schemas.microsoft.com/office/powerpoint/2010/main" spd="slow" p14:dur="6000">
+        <p15:prstTrans prst="curtains"/>
       </p:transition>
     </mc:Choice>
-    <mc:Fallback xmlns="">
-      <p:transition spd="med">
+    <mc:Fallback>
+      <p:transition spd="slow">
         <p:fade/>
       </p:transition>
     </mc:Fallback>
@@ -8931,13 +8940,13 @@
   <p:clrMapOvr>
     <a:masterClrMapping/>
   </p:clrMapOvr>
-  <mc:AlternateContent xmlns:mc="http://schemas.openxmlformats.org/markup-compatibility/2006">
-    <mc:Choice xmlns:p14="http://schemas.microsoft.com/office/powerpoint/2010/main" Requires="p14">
+  <mc:AlternateContent xmlns:mc="http://schemas.openxmlformats.org/markup-compatibility/2006" xmlns:p14="http://schemas.microsoft.com/office/powerpoint/2010/main">
+    <mc:Choice Requires="p14">
       <p:transition spd="med" p14:dur="700">
         <p:fade/>
       </p:transition>
     </mc:Choice>
-    <mc:Fallback>
+    <mc:Fallback xmlns="">
       <p:transition spd="med">
         <p:fade/>
       </p:transition>
@@ -9669,13 +9678,13 @@
   <p:clrMapOvr>
     <a:masterClrMapping/>
   </p:clrMapOvr>
-  <mc:AlternateContent xmlns:mc="http://schemas.openxmlformats.org/markup-compatibility/2006">
-    <mc:Choice xmlns:p14="http://schemas.microsoft.com/office/powerpoint/2010/main" Requires="p14">
+  <mc:AlternateContent xmlns:mc="http://schemas.openxmlformats.org/markup-compatibility/2006" xmlns:p14="http://schemas.microsoft.com/office/powerpoint/2010/main">
+    <mc:Choice Requires="p14">
       <p:transition spd="med" p14:dur="700">
         <p:fade/>
       </p:transition>
     </mc:Choice>
-    <mc:Fallback>
+    <mc:Fallback xmlns="">
       <p:transition spd="med">
         <p:fade/>
       </p:transition>
@@ -10238,13 +10247,13 @@
   <p:clrMapOvr>
     <a:masterClrMapping/>
   </p:clrMapOvr>
-  <mc:AlternateContent xmlns:mc="http://schemas.openxmlformats.org/markup-compatibility/2006">
-    <mc:Choice xmlns:p14="http://schemas.microsoft.com/office/powerpoint/2010/main" Requires="p14">
+  <mc:AlternateContent xmlns:mc="http://schemas.openxmlformats.org/markup-compatibility/2006" xmlns:p14="http://schemas.microsoft.com/office/powerpoint/2010/main">
+    <mc:Choice Requires="p14">
       <p:transition spd="med" p14:dur="700">
         <p:fade/>
       </p:transition>
     </mc:Choice>
-    <mc:Fallback>
+    <mc:Fallback xmlns="">
       <p:transition spd="med">
         <p:fade/>
       </p:transition>
@@ -11233,13 +11242,13 @@
   <p:clrMapOvr>
     <a:masterClrMapping/>
   </p:clrMapOvr>
-  <mc:AlternateContent xmlns:mc="http://schemas.openxmlformats.org/markup-compatibility/2006">
-    <mc:Choice xmlns:p14="http://schemas.microsoft.com/office/powerpoint/2010/main" Requires="p14">
+  <mc:AlternateContent xmlns:mc="http://schemas.openxmlformats.org/markup-compatibility/2006" xmlns:p14="http://schemas.microsoft.com/office/powerpoint/2010/main">
+    <mc:Choice Requires="p14">
       <p:transition spd="med" p14:dur="700">
         <p:fade/>
       </p:transition>
     </mc:Choice>
-    <mc:Fallback>
+    <mc:Fallback xmlns="">
       <p:transition spd="med">
         <p:fade/>
       </p:transition>
@@ -12526,13 +12535,13 @@
   <p:clrMapOvr>
     <a:masterClrMapping/>
   </p:clrMapOvr>
-  <mc:AlternateContent xmlns:mc="http://schemas.openxmlformats.org/markup-compatibility/2006">
-    <mc:Choice xmlns:p14="http://schemas.microsoft.com/office/powerpoint/2010/main" Requires="p14">
+  <mc:AlternateContent xmlns:mc="http://schemas.openxmlformats.org/markup-compatibility/2006" xmlns:p14="http://schemas.microsoft.com/office/powerpoint/2010/main">
+    <mc:Choice Requires="p14">
       <p:transition spd="med" p14:dur="700">
         <p:fade/>
       </p:transition>
     </mc:Choice>
-    <mc:Fallback>
+    <mc:Fallback xmlns="">
       <p:transition spd="med">
         <p:fade/>
       </p:transition>
@@ -14112,13 +14121,13 @@
   <p:clrMapOvr>
     <a:masterClrMapping/>
   </p:clrMapOvr>
-  <mc:AlternateContent xmlns:mc="http://schemas.openxmlformats.org/markup-compatibility/2006">
-    <mc:Choice xmlns:p14="http://schemas.microsoft.com/office/powerpoint/2010/main" Requires="p14">
+  <mc:AlternateContent xmlns:mc="http://schemas.openxmlformats.org/markup-compatibility/2006" xmlns:p14="http://schemas.microsoft.com/office/powerpoint/2010/main">
+    <mc:Choice Requires="p14">
       <p:transition spd="med" p14:dur="700">
         <p:fade/>
       </p:transition>
     </mc:Choice>
-    <mc:Fallback>
+    <mc:Fallback xmlns="">
       <p:transition spd="med">
         <p:fade/>
       </p:transition>
@@ -14448,13 +14457,13 @@
   <p:clrMapOvr>
     <a:masterClrMapping/>
   </p:clrMapOvr>
-  <mc:AlternateContent xmlns:mc="http://schemas.openxmlformats.org/markup-compatibility/2006">
-    <mc:Choice xmlns:p14="http://schemas.microsoft.com/office/powerpoint/2010/main" Requires="p14">
+  <mc:AlternateContent xmlns:mc="http://schemas.openxmlformats.org/markup-compatibility/2006" xmlns:p14="http://schemas.microsoft.com/office/powerpoint/2010/main">
+    <mc:Choice Requires="p14">
       <p:transition spd="med" p14:dur="700">
         <p:fade/>
       </p:transition>
     </mc:Choice>
-    <mc:Fallback>
+    <mc:Fallback xmlns="">
       <p:transition spd="med">
         <p:fade/>
       </p:transition>

--- a/NilamHut.pptx
+++ b/NilamHut.pptx
@@ -948,9 +948,10 @@
         <a:lstStyle/>
         <a:p>
           <a:r>
-            <a:rPr lang="en-US" dirty="0"/>
-            <a:t>Group B</a:t>
+            <a:rPr lang="en-US" dirty="0" smtClean="0"/>
+            <a:t>Implementing secure transaction is challenging</a:t>
           </a:r>
+          <a:endParaRPr lang="en-US" dirty="0"/>
         </a:p>
       </dgm:t>
       <dgm:extLst>
@@ -1310,9 +1311,10 @@
             </a:spcAft>
           </a:pPr>
           <a:r>
-            <a:rPr lang="en-US" sz="1800" kern="1200" dirty="0"/>
-            <a:t>Group B</a:t>
+            <a:rPr lang="en-US" sz="1800" kern="1200" dirty="0" smtClean="0"/>
+            <a:t>Implementing secure transaction is challenging</a:t>
           </a:r>
+          <a:endParaRPr lang="en-US" sz="1800" kern="1200" dirty="0"/>
         </a:p>
       </dsp:txBody>
       <dsp:txXfrm>
@@ -3147,7 +3149,7 @@
           <a:p>
             <a:fld id="{DE71268B-8AC2-4239-8FAF-7C144C210720}" type="datetimeFigureOut">
               <a:rPr lang="en-US"/>
-              <a:t>06-Feb-18</a:t>
+              <a:t>10-Feb-18</a:t>
             </a:fld>
             <a:endParaRPr/>
           </a:p>
@@ -3312,7 +3314,7 @@
           <a:p>
             <a:fld id="{F5AD8362-6D63-40AC-BAA9-90C3AE6D5875}" type="datetimeFigureOut">
               <a:rPr lang="en-US"/>
-              <a:t>06-Feb-18</a:t>
+              <a:t>10-Feb-18</a:t>
             </a:fld>
             <a:endParaRPr/>
           </a:p>
@@ -4124,7 +4126,7 @@
           <a:p>
             <a:fld id="{5F4E5243-F52A-4D37-9694-EB26C6C31910}" type="datetime1">
               <a:rPr lang="en-US"/>
-              <a:t>06-Feb-18</a:t>
+              <a:t>10-Feb-18</a:t>
             </a:fld>
             <a:endParaRPr/>
           </a:p>
@@ -4320,7 +4322,7 @@
           <a:p>
             <a:fld id="{3A77B6E1-634A-48DC-9E8B-D894023267EF}" type="datetime1">
               <a:rPr lang="en-US"/>
-              <a:t>06-Feb-18</a:t>
+              <a:t>10-Feb-18</a:t>
             </a:fld>
             <a:endParaRPr/>
           </a:p>
@@ -4510,7 +4512,7 @@
           <a:p>
             <a:fld id="{7B2D3E9E-A95C-48F2-B4BF-A71542E0BE9A}" type="datetime1">
               <a:rPr lang="en-US"/>
-              <a:t>06-Feb-18</a:t>
+              <a:t>10-Feb-18</a:t>
             </a:fld>
             <a:endParaRPr/>
           </a:p>
@@ -4841,7 +4843,7 @@
           <a:p>
             <a:fld id="{A50F84E2-2D7A-43CF-AC90-352A289A783A}" type="datetime1">
               <a:rPr lang="en-US"/>
-              <a:t>06-Feb-18</a:t>
+              <a:t>10-Feb-18</a:t>
             </a:fld>
             <a:endParaRPr/>
           </a:p>
@@ -5149,7 +5151,7 @@
           <a:p>
             <a:fld id="{F12952B5-7A2F-4CC8-B7CE-9234E21C2837}" type="datetime1">
               <a:rPr lang="en-US"/>
-              <a:t>06-Feb-18</a:t>
+              <a:t>10-Feb-18</a:t>
             </a:fld>
             <a:endParaRPr/>
           </a:p>
@@ -5597,7 +5599,7 @@
           <a:p>
             <a:fld id="{CE1DA07A-9201-4B4B-BAF2-015AFA30F520}" type="datetime1">
               <a:rPr lang="en-US"/>
-              <a:t>06-Feb-18</a:t>
+              <a:t>10-Feb-18</a:t>
             </a:fld>
             <a:endParaRPr/>
           </a:p>
@@ -5731,7 +5733,7 @@
           <a:p>
             <a:fld id="{73D7E00A-486F-4252-8B1D-E32645521F49}" type="datetime1">
               <a:rPr lang="en-US"/>
-              <a:t>06-Feb-18</a:t>
+              <a:t>10-Feb-18</a:t>
             </a:fld>
             <a:endParaRPr/>
           </a:p>
@@ -5904,7 +5906,7 @@
           <a:p>
             <a:fld id="{8DDF5F92-E675-4B36-9A60-69A962A68675}" type="datetime1">
               <a:rPr lang="en-US"/>
-              <a:t>06-Feb-18</a:t>
+              <a:t>10-Feb-18</a:t>
             </a:fld>
             <a:endParaRPr/>
           </a:p>
@@ -6209,7 +6211,7 @@
           <a:p>
             <a:fld id="{AF6E2C9B-5FA2-460D-9BE7-B0812FC2A6FF}" type="datetime1">
               <a:rPr lang="en-US"/>
-              <a:t>06-Feb-18</a:t>
+              <a:t>10-Feb-18</a:t>
             </a:fld>
             <a:endParaRPr/>
           </a:p>
@@ -6499,7 +6501,7 @@
           <a:p>
             <a:fld id="{1D374940-A916-4C8B-9648-02A2D3898F9E}" type="datetime1">
               <a:rPr lang="en-US"/>
-              <a:t>06-Feb-18</a:t>
+              <a:t>10-Feb-18</a:t>
             </a:fld>
             <a:endParaRPr/>
           </a:p>
@@ -6946,7 +6948,7 @@
             <a:fld id="{5586B75A-687E-405C-8A0B-8D00578BA2C3}" type="datetime1">
               <a:rPr lang="en-US" smtClean="0"/>
               <a:pPr/>
-              <a:t>06-Feb-18</a:t>
+              <a:t>10-Feb-18</a:t>
             </a:fld>
             <a:endParaRPr lang="en-US"/>
           </a:p>
@@ -7431,13 +7433,13 @@
   <p:clrMapOvr>
     <a:masterClrMapping/>
   </p:clrMapOvr>
-  <mc:AlternateContent xmlns:mc="http://schemas.openxmlformats.org/markup-compatibility/2006">
-    <mc:Choice xmlns:p14="http://schemas.microsoft.com/office/powerpoint/2010/main" Requires="p14">
+  <mc:AlternateContent xmlns:mc="http://schemas.openxmlformats.org/markup-compatibility/2006" xmlns:p14="http://schemas.microsoft.com/office/powerpoint/2010/main">
+    <mc:Choice Requires="p14">
       <p:transition spd="med" p14:dur="700">
         <p:fade/>
       </p:transition>
     </mc:Choice>
-    <mc:Fallback>
+    <mc:Fallback xmlns="">
       <p:transition spd="med">
         <p:fade/>
       </p:transition>
@@ -7829,6 +7831,35 @@
           </a:p>
         </p:txBody>
       </p:sp>
+      <p:pic>
+        <p:nvPicPr>
+          <p:cNvPr id="4" name="Content Placeholder 3"/>
+          <p:cNvPicPr>
+            <a:picLocks noGrp="1" noChangeAspect="1"/>
+          </p:cNvPicPr>
+          <p:nvPr>
+            <p:ph sz="half" idx="2"/>
+          </p:nvPr>
+        </p:nvPicPr>
+        <p:blipFill>
+          <a:blip r:embed="rId2">
+            <a:extLst>
+              <a:ext uri="{28A0092B-C50C-407E-A947-70E740481C1C}">
+                <a14:useLocalDpi xmlns:a14="http://schemas.microsoft.com/office/drawing/2010/main" val="0"/>
+              </a:ext>
+            </a:extLst>
+          </a:blip>
+          <a:stretch>
+            <a:fillRect/>
+          </a:stretch>
+        </p:blipFill>
+        <p:spPr>
+          <a:xfrm>
+            <a:off x="6359167" y="1572768"/>
+            <a:ext cx="4491712" cy="3002355"/>
+          </a:xfrm>
+        </p:spPr>
+      </p:pic>
       <p:sp>
         <p:nvSpPr>
           <p:cNvPr id="2" name="Content Placeholder 1"/>
@@ -7836,7 +7867,7 @@
             <a:spLocks noGrp="1"/>
           </p:cNvSpPr>
           <p:nvPr>
-            <p:ph idx="1"/>
+            <p:ph sz="half" idx="1"/>
           </p:nvPr>
         </p:nvSpPr>
         <p:spPr/>
@@ -7847,8 +7878,39 @@
             <a:pPr lvl="0"/>
             <a:r>
               <a:rPr lang="en-US" dirty="0"/>
-              <a:t>Complete business platform.</a:t>
-            </a:r>
+              <a:t>Complete business platform</a:t>
+            </a:r>
+            <a:r>
+              <a:rPr lang="en-US" dirty="0" smtClean="0"/>
+              <a:t>.</a:t>
+            </a:r>
+            <a:endParaRPr lang="en-US" dirty="0"/>
+          </a:p>
+          <a:p>
+            <a:pPr lvl="0"/>
+            <a:r>
+              <a:rPr lang="en-US" dirty="0"/>
+              <a:t>A trustworthy web platform for auctioning rare goods.</a:t>
+            </a:r>
+          </a:p>
+          <a:p>
+            <a:pPr lvl="0"/>
+            <a:r>
+              <a:rPr lang="en-US" dirty="0"/>
+              <a:t>Government and other organizations like charity organization can use </a:t>
+            </a:r>
+            <a:r>
+              <a:rPr lang="en-US" dirty="0" err="1"/>
+              <a:t>NilamHut</a:t>
+            </a:r>
+            <a:r>
+              <a:rPr lang="en-US" dirty="0"/>
+              <a:t> for auction easily.</a:t>
+            </a:r>
+          </a:p>
+          <a:p>
+            <a:pPr lvl="0"/>
+            <a:endParaRPr lang="en-US" dirty="0"/>
           </a:p>
           <a:p>
             <a:endParaRPr lang="en-US" dirty="0"/>
@@ -7935,6 +7997,135 @@
                                   </p:childTnLst>
                                 </p:cTn>
                               </p:par>
+                              <p:par>
+                                <p:cTn id="8" presetID="10" presetClass="entr" presetSubtype="0" fill="hold" grpId="0" nodeType="withEffect">
+                                  <p:stCondLst>
+                                    <p:cond delay="0"/>
+                                  </p:stCondLst>
+                                  <p:childTnLst>
+                                    <p:set>
+                                      <p:cBhvr>
+                                        <p:cTn id="9" dur="1" fill="hold">
+                                          <p:stCondLst>
+                                            <p:cond delay="0"/>
+                                          </p:stCondLst>
+                                        </p:cTn>
+                                        <p:tgtEl>
+                                          <p:spTgt spid="2">
+                                            <p:txEl>
+                                              <p:pRg st="0" end="0"/>
+                                            </p:txEl>
+                                          </p:spTgt>
+                                        </p:tgtEl>
+                                        <p:attrNameLst>
+                                          <p:attrName>style.visibility</p:attrName>
+                                        </p:attrNameLst>
+                                      </p:cBhvr>
+                                      <p:to>
+                                        <p:strVal val="visible"/>
+                                      </p:to>
+                                    </p:set>
+                                    <p:animEffect transition="in" filter="fade">
+                                      <p:cBhvr>
+                                        <p:cTn id="10" dur="500"/>
+                                        <p:tgtEl>
+                                          <p:spTgt spid="2">
+                                            <p:txEl>
+                                              <p:pRg st="0" end="0"/>
+                                            </p:txEl>
+                                          </p:spTgt>
+                                        </p:tgtEl>
+                                      </p:cBhvr>
+                                    </p:animEffect>
+                                  </p:childTnLst>
+                                </p:cTn>
+                              </p:par>
+                              <p:par>
+                                <p:cTn id="11" presetID="10" presetClass="entr" presetSubtype="0" fill="hold" grpId="0" nodeType="withEffect">
+                                  <p:stCondLst>
+                                    <p:cond delay="0"/>
+                                  </p:stCondLst>
+                                  <p:childTnLst>
+                                    <p:set>
+                                      <p:cBhvr>
+                                        <p:cTn id="12" dur="1" fill="hold">
+                                          <p:stCondLst>
+                                            <p:cond delay="0"/>
+                                          </p:stCondLst>
+                                        </p:cTn>
+                                        <p:tgtEl>
+                                          <p:spTgt spid="2">
+                                            <p:txEl>
+                                              <p:pRg st="1" end="1"/>
+                                            </p:txEl>
+                                          </p:spTgt>
+                                        </p:tgtEl>
+                                        <p:attrNameLst>
+                                          <p:attrName>style.visibility</p:attrName>
+                                        </p:attrNameLst>
+                                      </p:cBhvr>
+                                      <p:to>
+                                        <p:strVal val="visible"/>
+                                      </p:to>
+                                    </p:set>
+                                    <p:animEffect transition="in" filter="fade">
+                                      <p:cBhvr>
+                                        <p:cTn id="13" dur="500"/>
+                                        <p:tgtEl>
+                                          <p:spTgt spid="2">
+                                            <p:txEl>
+                                              <p:pRg st="1" end="1"/>
+                                            </p:txEl>
+                                          </p:spTgt>
+                                        </p:tgtEl>
+                                      </p:cBhvr>
+                                    </p:animEffect>
+                                  </p:childTnLst>
+                                </p:cTn>
+                              </p:par>
+                              <p:par>
+                                <p:cTn id="14" presetID="10" presetClass="entr" presetSubtype="0" fill="hold" grpId="0" nodeType="withEffect">
+                                  <p:stCondLst>
+                                    <p:cond delay="0"/>
+                                  </p:stCondLst>
+                                  <p:childTnLst>
+                                    <p:set>
+                                      <p:cBhvr>
+                                        <p:cTn id="15" dur="1" fill="hold">
+                                          <p:stCondLst>
+                                            <p:cond delay="0"/>
+                                          </p:stCondLst>
+                                        </p:cTn>
+                                        <p:tgtEl>
+                                          <p:spTgt spid="2">
+                                            <p:txEl>
+                                              <p:pRg st="2" end="2"/>
+                                            </p:txEl>
+                                          </p:spTgt>
+                                        </p:tgtEl>
+                                        <p:attrNameLst>
+                                          <p:attrName>style.visibility</p:attrName>
+                                        </p:attrNameLst>
+                                      </p:cBhvr>
+                                      <p:to>
+                                        <p:strVal val="visible"/>
+                                      </p:to>
+                                    </p:set>
+                                    <p:animEffect transition="in" filter="fade">
+                                      <p:cBhvr>
+                                        <p:cTn id="16" dur="500"/>
+                                        <p:tgtEl>
+                                          <p:spTgt spid="2">
+                                            <p:txEl>
+                                              <p:pRg st="2" end="2"/>
+                                            </p:txEl>
+                                          </p:spTgt>
+                                        </p:tgtEl>
+                                      </p:cBhvr>
+                                    </p:animEffect>
+                                  </p:childTnLst>
+                                </p:cTn>
+                              </p:par>
                             </p:childTnLst>
                           </p:cTn>
                         </p:par>
@@ -7942,36 +8133,32 @@
                     </p:cTn>
                   </p:par>
                   <p:par>
-                    <p:cTn id="8" fill="hold">
+                    <p:cTn id="17" fill="hold">
                       <p:stCondLst>
                         <p:cond delay="indefinite"/>
                       </p:stCondLst>
                       <p:childTnLst>
                         <p:par>
-                          <p:cTn id="9" fill="hold">
+                          <p:cTn id="18" fill="hold">
                             <p:stCondLst>
                               <p:cond delay="0"/>
                             </p:stCondLst>
                             <p:childTnLst>
                               <p:par>
-                                <p:cTn id="10" presetID="10" presetClass="entr" presetSubtype="0" fill="hold" grpId="0" nodeType="clickEffect">
+                                <p:cTn id="19" presetID="31" presetClass="entr" presetSubtype="0" fill="hold" nodeType="clickEffect">
                                   <p:stCondLst>
                                     <p:cond delay="0"/>
                                   </p:stCondLst>
                                   <p:childTnLst>
                                     <p:set>
                                       <p:cBhvr>
-                                        <p:cTn id="11" dur="1" fill="hold">
+                                        <p:cTn id="20" dur="1" fill="hold">
                                           <p:stCondLst>
                                             <p:cond delay="0"/>
                                           </p:stCondLst>
                                         </p:cTn>
                                         <p:tgtEl>
-                                          <p:spTgt spid="2">
-                                            <p:txEl>
-                                              <p:pRg st="0" end="0"/>
-                                            </p:txEl>
-                                          </p:spTgt>
+                                          <p:spTgt spid="4"/>
                                         </p:tgtEl>
                                         <p:attrNameLst>
                                           <p:attrName>style.visibility</p:attrName>
@@ -7981,15 +8168,80 @@
                                         <p:strVal val="visible"/>
                                       </p:to>
                                     </p:set>
+                                    <p:anim calcmode="lin" valueType="num">
+                                      <p:cBhvr>
+                                        <p:cTn id="21" dur="1000" fill="hold"/>
+                                        <p:tgtEl>
+                                          <p:spTgt spid="4"/>
+                                        </p:tgtEl>
+                                        <p:attrNameLst>
+                                          <p:attrName>ppt_w</p:attrName>
+                                        </p:attrNameLst>
+                                      </p:cBhvr>
+                                      <p:tavLst>
+                                        <p:tav tm="0">
+                                          <p:val>
+                                            <p:fltVal val="0"/>
+                                          </p:val>
+                                        </p:tav>
+                                        <p:tav tm="100000">
+                                          <p:val>
+                                            <p:strVal val="#ppt_w"/>
+                                          </p:val>
+                                        </p:tav>
+                                      </p:tavLst>
+                                    </p:anim>
+                                    <p:anim calcmode="lin" valueType="num">
+                                      <p:cBhvr>
+                                        <p:cTn id="22" dur="1000" fill="hold"/>
+                                        <p:tgtEl>
+                                          <p:spTgt spid="4"/>
+                                        </p:tgtEl>
+                                        <p:attrNameLst>
+                                          <p:attrName>ppt_h</p:attrName>
+                                        </p:attrNameLst>
+                                      </p:cBhvr>
+                                      <p:tavLst>
+                                        <p:tav tm="0">
+                                          <p:val>
+                                            <p:fltVal val="0"/>
+                                          </p:val>
+                                        </p:tav>
+                                        <p:tav tm="100000">
+                                          <p:val>
+                                            <p:strVal val="#ppt_h"/>
+                                          </p:val>
+                                        </p:tav>
+                                      </p:tavLst>
+                                    </p:anim>
+                                    <p:anim calcmode="lin" valueType="num">
+                                      <p:cBhvr>
+                                        <p:cTn id="23" dur="1000" fill="hold"/>
+                                        <p:tgtEl>
+                                          <p:spTgt spid="4"/>
+                                        </p:tgtEl>
+                                        <p:attrNameLst>
+                                          <p:attrName>style.rotation</p:attrName>
+                                        </p:attrNameLst>
+                                      </p:cBhvr>
+                                      <p:tavLst>
+                                        <p:tav tm="0">
+                                          <p:val>
+                                            <p:fltVal val="90"/>
+                                          </p:val>
+                                        </p:tav>
+                                        <p:tav tm="100000">
+                                          <p:val>
+                                            <p:fltVal val="0"/>
+                                          </p:val>
+                                        </p:tav>
+                                      </p:tavLst>
+                                    </p:anim>
                                     <p:animEffect transition="in" filter="fade">
                                       <p:cBhvr>
-                                        <p:cTn id="12" dur="500"/>
-                                        <p:tgtEl>
-                                          <p:spTgt spid="2">
-                                            <p:txEl>
-                                              <p:pRg st="0" end="0"/>
-                                            </p:txEl>
-                                          </p:spTgt>
+                                        <p:cTn id="24" dur="1000"/>
+                                        <p:tgtEl>
+                                          <p:spTgt spid="4"/>
                                         </p:tgtEl>
                                       </p:cBhvr>
                                     </p:animEffect>
@@ -8085,7 +8337,7 @@
             <p:ph sz="half" idx="2"/>
             <p:extLst>
               <p:ext uri="{D42A27DB-BD31-4B8C-83A1-F6EECF244321}">
-                <p14:modId xmlns:p14="http://schemas.microsoft.com/office/powerpoint/2010/main" val="258435331"/>
+                <p14:modId xmlns:p14="http://schemas.microsoft.com/office/powerpoint/2010/main" val="4152547395"/>
               </p:ext>
             </p:extLst>
           </p:nvPr>
@@ -8120,22 +8372,66 @@
           <a:bodyPr/>
           <a:lstStyle/>
           <a:p>
-            <a:r>
-              <a:rPr lang="en-US" dirty="0"/>
-              <a:t>First bullet point here</a:t>
-            </a:r>
-          </a:p>
-          <a:p>
-            <a:r>
-              <a:rPr lang="en-US" dirty="0"/>
-              <a:t>Second bullet point here</a:t>
-            </a:r>
-          </a:p>
-          <a:p>
-            <a:r>
-              <a:rPr lang="en-US" dirty="0"/>
-              <a:t>Third bullet point here</a:t>
-            </a:r>
+            <a:pPr marL="45720" indent="0">
+              <a:buNone/>
+            </a:pPr>
+            <a:r>
+              <a:rPr lang="en-US" sz="2400" dirty="0" smtClean="0"/>
+              <a:t>Risk Management </a:t>
+            </a:r>
+            <a:endParaRPr lang="en-US" sz="2400" dirty="0"/>
+          </a:p>
+          <a:p>
+            <a:pPr lvl="1" algn="just"/>
+            <a:r>
+              <a:rPr lang="en-US" sz="2000" dirty="0" smtClean="0"/>
+              <a:t>Microsoft has very good support for developers. </a:t>
+            </a:r>
+          </a:p>
+          <a:p>
+            <a:pPr lvl="1" algn="just"/>
+            <a:r>
+              <a:rPr lang="en-US" sz="2000" dirty="0" err="1" smtClean="0"/>
+              <a:t>WebRTC</a:t>
+            </a:r>
+            <a:r>
+              <a:rPr lang="en-US" sz="2000" dirty="0" smtClean="0"/>
+              <a:t> has ver</a:t>
+            </a:r>
+            <a:r>
+              <a:rPr lang="en-US" sz="2000" dirty="0" smtClean="0"/>
+              <a:t>y good community support. </a:t>
+            </a:r>
+          </a:p>
+          <a:p>
+            <a:pPr lvl="1" algn="just"/>
+            <a:r>
+              <a:rPr lang="en-US" sz="2000" dirty="0" smtClean="0"/>
+              <a:t>Now a days we have mobile banking services like </a:t>
+            </a:r>
+            <a:r>
+              <a:rPr lang="en-US" sz="2000" dirty="0" err="1" smtClean="0"/>
+              <a:t>Bkash</a:t>
+            </a:r>
+            <a:r>
+              <a:rPr lang="en-US" sz="2000" dirty="0" smtClean="0"/>
+              <a:t>, </a:t>
+            </a:r>
+            <a:r>
+              <a:rPr lang="en-US" sz="2000" dirty="0" err="1" smtClean="0"/>
+              <a:t>Roket</a:t>
+            </a:r>
+            <a:r>
+              <a:rPr lang="en-US" sz="2000" dirty="0" smtClean="0"/>
+              <a:t>. These are practical and easy to implement for Bangladesh. </a:t>
+            </a:r>
+            <a:endParaRPr lang="en-US" sz="2000" dirty="0"/>
+          </a:p>
+          <a:p>
+            <a:pPr marL="45720" indent="0">
+              <a:buNone/>
+            </a:pPr>
+            <a:endParaRPr lang="en-US" dirty="0"/>
           </a:p>
         </p:txBody>
       </p:sp>
@@ -8520,33 +8816,15 @@
                                   </p:childTnLst>
                                 </p:cTn>
                               </p:par>
-                            </p:childTnLst>
-                          </p:cTn>
-                        </p:par>
-                      </p:childTnLst>
-                    </p:cTn>
-                  </p:par>
-                  <p:par>
-                    <p:cTn id="26" fill="hold">
-                      <p:stCondLst>
-                        <p:cond delay="indefinite"/>
-                      </p:stCondLst>
-                      <p:childTnLst>
-                        <p:par>
-                          <p:cTn id="27" fill="hold">
-                            <p:stCondLst>
-                              <p:cond delay="0"/>
-                            </p:stCondLst>
-                            <p:childTnLst>
                               <p:par>
-                                <p:cTn id="28" presetID="10" presetClass="entr" presetSubtype="0" fill="hold" grpId="0" nodeType="clickEffect">
+                                <p:cTn id="26" presetID="10" presetClass="entr" presetSubtype="0" fill="hold" grpId="0" nodeType="withEffect">
                                   <p:stCondLst>
                                     <p:cond delay="0"/>
                                   </p:stCondLst>
                                   <p:childTnLst>
                                     <p:set>
                                       <p:cBhvr>
-                                        <p:cTn id="29" dur="1" fill="hold">
+                                        <p:cTn id="27" dur="1" fill="hold">
                                           <p:stCondLst>
                                             <p:cond delay="0"/>
                                           </p:stCondLst>
@@ -8568,7 +8846,7 @@
                                     </p:set>
                                     <p:animEffect transition="in" filter="fade">
                                       <p:cBhvr>
-                                        <p:cTn id="30" dur="500"/>
+                                        <p:cTn id="28" dur="500"/>
                                         <p:tgtEl>
                                           <p:spTgt spid="3">
                                             <p:txEl>
@@ -8581,33 +8859,15 @@
                                   </p:childTnLst>
                                 </p:cTn>
                               </p:par>
-                            </p:childTnLst>
-                          </p:cTn>
-                        </p:par>
-                      </p:childTnLst>
-                    </p:cTn>
-                  </p:par>
-                  <p:par>
-                    <p:cTn id="31" fill="hold">
-                      <p:stCondLst>
-                        <p:cond delay="indefinite"/>
-                      </p:stCondLst>
-                      <p:childTnLst>
-                        <p:par>
-                          <p:cTn id="32" fill="hold">
-                            <p:stCondLst>
-                              <p:cond delay="0"/>
-                            </p:stCondLst>
-                            <p:childTnLst>
                               <p:par>
-                                <p:cTn id="33" presetID="10" presetClass="entr" presetSubtype="0" fill="hold" grpId="0" nodeType="clickEffect">
+                                <p:cTn id="29" presetID="10" presetClass="entr" presetSubtype="0" fill="hold" grpId="0" nodeType="withEffect">
                                   <p:stCondLst>
                                     <p:cond delay="0"/>
                                   </p:stCondLst>
                                   <p:childTnLst>
                                     <p:set>
                                       <p:cBhvr>
-                                        <p:cTn id="34" dur="1" fill="hold">
+                                        <p:cTn id="30" dur="1" fill="hold">
                                           <p:stCondLst>
                                             <p:cond delay="0"/>
                                           </p:stCondLst>
@@ -8629,11 +8889,54 @@
                                     </p:set>
                                     <p:animEffect transition="in" filter="fade">
                                       <p:cBhvr>
-                                        <p:cTn id="35" dur="500"/>
+                                        <p:cTn id="31" dur="500"/>
                                         <p:tgtEl>
                                           <p:spTgt spid="3">
                                             <p:txEl>
                                               <p:pRg st="2" end="2"/>
+                                            </p:txEl>
+                                          </p:spTgt>
+                                        </p:tgtEl>
+                                      </p:cBhvr>
+                                    </p:animEffect>
+                                  </p:childTnLst>
+                                </p:cTn>
+                              </p:par>
+                              <p:par>
+                                <p:cTn id="32" presetID="10" presetClass="entr" presetSubtype="0" fill="hold" grpId="0" nodeType="withEffect">
+                                  <p:stCondLst>
+                                    <p:cond delay="0"/>
+                                  </p:stCondLst>
+                                  <p:childTnLst>
+                                    <p:set>
+                                      <p:cBhvr>
+                                        <p:cTn id="33" dur="1" fill="hold">
+                                          <p:stCondLst>
+                                            <p:cond delay="0"/>
+                                          </p:stCondLst>
+                                        </p:cTn>
+                                        <p:tgtEl>
+                                          <p:spTgt spid="3">
+                                            <p:txEl>
+                                              <p:pRg st="3" end="3"/>
+                                            </p:txEl>
+                                          </p:spTgt>
+                                        </p:tgtEl>
+                                        <p:attrNameLst>
+                                          <p:attrName>style.visibility</p:attrName>
+                                        </p:attrNameLst>
+                                      </p:cBhvr>
+                                      <p:to>
+                                        <p:strVal val="visible"/>
+                                      </p:to>
+                                    </p:set>
+                                    <p:animEffect transition="in" filter="fade">
+                                      <p:cBhvr>
+                                        <p:cTn id="34" dur="500"/>
+                                        <p:tgtEl>
+                                          <p:spTgt spid="3">
+                                            <p:txEl>
+                                              <p:pRg st="3" end="3"/>
                                             </p:txEl>
                                           </p:spTgt>
                                         </p:tgtEl>
@@ -8754,13 +9057,13 @@
   <p:clrMapOvr>
     <a:masterClrMapping/>
   </p:clrMapOvr>
-  <mc:AlternateContent xmlns:mc="http://schemas.openxmlformats.org/markup-compatibility/2006">
-    <mc:Choice xmlns:p15="http://schemas.microsoft.com/office/powerpoint/2012/main" Requires="p15">
+  <mc:AlternateContent xmlns:mc="http://schemas.openxmlformats.org/markup-compatibility/2006" xmlns:p15="http://schemas.microsoft.com/office/powerpoint/2012/main">
+    <mc:Choice Requires="p15">
       <p:transition xmlns:p14="http://schemas.microsoft.com/office/powerpoint/2010/main" spd="slow" p14:dur="6000">
         <p15:prstTrans prst="curtains"/>
       </p:transition>
     </mc:Choice>
-    <mc:Fallback>
+    <mc:Fallback xmlns="">
       <p:transition spd="slow">
         <p:fade/>
       </p:transition>
@@ -9361,9 +9664,6 @@
           <a:bodyPr/>
           <a:lstStyle/>
           <a:p>
-            <a:pPr marL="45720" indent="0">
-              <a:buNone/>
-            </a:pPr>
             <a:r>
               <a:rPr lang="en-US" dirty="0" smtClean="0"/>
               <a:t>The scope of the project is to build an online platform specifically for auction purpose in Bangladesh. </a:t>
@@ -9374,8 +9674,31 @@
             </a:r>
             <a:r>
               <a:rPr lang="en-US" dirty="0" smtClean="0"/>
-              <a:t> will be the first auction website in Bangladesh.</a:t>
-            </a:r>
+              <a:t> will be the first auction website in Bangladesh</a:t>
+            </a:r>
+            <a:r>
+              <a:rPr lang="en-US" dirty="0" smtClean="0"/>
+              <a:t>.</a:t>
+            </a:r>
+          </a:p>
+          <a:p>
+            <a:r>
+              <a:rPr lang="en-US" dirty="0" smtClean="0"/>
+              <a:t>It </a:t>
+            </a:r>
+            <a:r>
+              <a:rPr lang="en-US" dirty="0"/>
+              <a:t>also serves as an E-Commerce platform</a:t>
+            </a:r>
+            <a:r>
+              <a:rPr lang="en-US" dirty="0" smtClean="0"/>
+              <a:t>.</a:t>
+            </a:r>
+          </a:p>
+          <a:p>
+            <a:endParaRPr lang="en-US" dirty="0"/>
+          </a:p>
+          <a:p>
             <a:endParaRPr lang="en-US" dirty="0"/>
           </a:p>
         </p:txBody>
@@ -9443,6 +9766,9 @@
                     <p:cTn id="3" fill="hold">
                       <p:stCondLst>
                         <p:cond delay="indefinite"/>
+                        <p:cond evt="onBegin" delay="0">
+                          <p:tn val="2"/>
+                        </p:cond>
                       </p:stCondLst>
                       <p:childTnLst>
                         <p:par>
@@ -9452,7 +9778,7 @@
                             </p:stCondLst>
                             <p:childTnLst>
                               <p:par>
-                                <p:cTn id="5" presetID="10" presetClass="entr" presetSubtype="0" fill="hold" grpId="0" nodeType="clickEffect">
+                                <p:cTn id="5" presetID="10" presetClass="entr" presetSubtype="0" fill="hold" grpId="0" nodeType="withEffect">
                                   <p:stCondLst>
                                     <p:cond delay="0"/>
                                   </p:stCondLst>
@@ -9495,7 +9821,7 @@
                                 </p:cTn>
                               </p:par>
                               <p:par>
-                                <p:cTn id="8" presetID="10" presetClass="entr" presetSubtype="0" fill="hold" nodeType="withEffect">
+                                <p:cTn id="8" presetID="10" presetClass="entr" presetSubtype="0" fill="hold" grpId="0" nodeType="withEffect">
                                   <p:stCondLst>
                                     <p:cond delay="0"/>
                                   </p:stCondLst>
@@ -9508,7 +9834,11 @@
                                           </p:stCondLst>
                                         </p:cTn>
                                         <p:tgtEl>
-                                          <p:spTgt spid="10"/>
+                                          <p:spTgt spid="3">
+                                            <p:txEl>
+                                              <p:pRg st="1" end="1"/>
+                                            </p:txEl>
+                                          </p:spTgt>
                                         </p:tgtEl>
                                         <p:attrNameLst>
                                           <p:attrName>style.visibility</p:attrName>
@@ -9521,6 +9851,114 @@
                                     <p:animEffect transition="in" filter="fade">
                                       <p:cBhvr>
                                         <p:cTn id="10" dur="500"/>
+                                        <p:tgtEl>
+                                          <p:spTgt spid="3">
+                                            <p:txEl>
+                                              <p:pRg st="1" end="1"/>
+                                            </p:txEl>
+                                          </p:spTgt>
+                                        </p:tgtEl>
+                                      </p:cBhvr>
+                                    </p:animEffect>
+                                  </p:childTnLst>
+                                </p:cTn>
+                              </p:par>
+                              <p:par>
+                                <p:cTn id="11" presetID="31" presetClass="entr" presetSubtype="0" fill="hold" nodeType="withEffect">
+                                  <p:stCondLst>
+                                    <p:cond delay="0"/>
+                                  </p:stCondLst>
+                                  <p:childTnLst>
+                                    <p:set>
+                                      <p:cBhvr>
+                                        <p:cTn id="12" dur="1" fill="hold">
+                                          <p:stCondLst>
+                                            <p:cond delay="0"/>
+                                          </p:stCondLst>
+                                        </p:cTn>
+                                        <p:tgtEl>
+                                          <p:spTgt spid="10"/>
+                                        </p:tgtEl>
+                                        <p:attrNameLst>
+                                          <p:attrName>style.visibility</p:attrName>
+                                        </p:attrNameLst>
+                                      </p:cBhvr>
+                                      <p:to>
+                                        <p:strVal val="visible"/>
+                                      </p:to>
+                                    </p:set>
+                                    <p:anim calcmode="lin" valueType="num">
+                                      <p:cBhvr>
+                                        <p:cTn id="13" dur="1000" fill="hold"/>
+                                        <p:tgtEl>
+                                          <p:spTgt spid="10"/>
+                                        </p:tgtEl>
+                                        <p:attrNameLst>
+                                          <p:attrName>ppt_w</p:attrName>
+                                        </p:attrNameLst>
+                                      </p:cBhvr>
+                                      <p:tavLst>
+                                        <p:tav tm="0">
+                                          <p:val>
+                                            <p:fltVal val="0"/>
+                                          </p:val>
+                                        </p:tav>
+                                        <p:tav tm="100000">
+                                          <p:val>
+                                            <p:strVal val="#ppt_w"/>
+                                          </p:val>
+                                        </p:tav>
+                                      </p:tavLst>
+                                    </p:anim>
+                                    <p:anim calcmode="lin" valueType="num">
+                                      <p:cBhvr>
+                                        <p:cTn id="14" dur="1000" fill="hold"/>
+                                        <p:tgtEl>
+                                          <p:spTgt spid="10"/>
+                                        </p:tgtEl>
+                                        <p:attrNameLst>
+                                          <p:attrName>ppt_h</p:attrName>
+                                        </p:attrNameLst>
+                                      </p:cBhvr>
+                                      <p:tavLst>
+                                        <p:tav tm="0">
+                                          <p:val>
+                                            <p:fltVal val="0"/>
+                                          </p:val>
+                                        </p:tav>
+                                        <p:tav tm="100000">
+                                          <p:val>
+                                            <p:strVal val="#ppt_h"/>
+                                          </p:val>
+                                        </p:tav>
+                                      </p:tavLst>
+                                    </p:anim>
+                                    <p:anim calcmode="lin" valueType="num">
+                                      <p:cBhvr>
+                                        <p:cTn id="15" dur="1000" fill="hold"/>
+                                        <p:tgtEl>
+                                          <p:spTgt spid="10"/>
+                                        </p:tgtEl>
+                                        <p:attrNameLst>
+                                          <p:attrName>style.rotation</p:attrName>
+                                        </p:attrNameLst>
+                                      </p:cBhvr>
+                                      <p:tavLst>
+                                        <p:tav tm="0">
+                                          <p:val>
+                                            <p:fltVal val="90"/>
+                                          </p:val>
+                                        </p:tav>
+                                        <p:tav tm="100000">
+                                          <p:val>
+                                            <p:fltVal val="0"/>
+                                          </p:val>
+                                        </p:tav>
+                                      </p:tavLst>
+                                    </p:anim>
+                                    <p:animEffect transition="in" filter="fade">
+                                      <p:cBhvr>
+                                        <p:cTn id="16" dur="1000"/>
                                         <p:tgtEl>
                                           <p:spTgt spid="10"/>
                                         </p:tgtEl>
@@ -9628,14 +10066,34 @@
             <a:pPr lvl="0"/>
             <a:r>
               <a:rPr lang="en-US" dirty="0"/>
-              <a:t>Live auction can be performed.</a:t>
+              <a:t>Audio and video</a:t>
+            </a:r>
+            <a:r>
+              <a:rPr lang="en-US" dirty="0" smtClean="0"/>
+              <a:t> </a:t>
+            </a:r>
+            <a:r>
+              <a:rPr lang="en-US" dirty="0"/>
+              <a:t>broadcasting </a:t>
+            </a:r>
+            <a:r>
+              <a:rPr lang="en-US" dirty="0" smtClean="0"/>
+              <a:t>can </a:t>
+            </a:r>
+            <a:r>
+              <a:rPr lang="en-US" dirty="0"/>
+              <a:t>be performed.</a:t>
             </a:r>
           </a:p>
           <a:p>
             <a:pPr lvl="0"/>
             <a:r>
+              <a:rPr lang="en-US" dirty="0" smtClean="0"/>
+              <a:t>Real time communication </a:t>
+            </a:r>
+            <a:r>
               <a:rPr lang="en-US" dirty="0"/>
-              <a:t>Audio and video communication between buyer and seller. </a:t>
+              <a:t>between buyer and seller. </a:t>
             </a:r>
           </a:p>
           <a:p>
@@ -10231,8 +10689,21 @@
             </a:r>
             <a:r>
               <a:rPr lang="en-US" dirty="0" smtClean="0"/>
-              <a:t> have not implemented live auction broadcasting yet.</a:t>
-            </a:r>
+              <a:t> have not implemented live auction broadcasting yet</a:t>
+            </a:r>
+            <a:r>
+              <a:rPr lang="en-US" dirty="0" smtClean="0"/>
+              <a:t>.</a:t>
+            </a:r>
+          </a:p>
+          <a:p>
+            <a:r>
+              <a:rPr lang="en-US" dirty="0"/>
+              <a:t>Most of them do not have preference tracking integrated in their platform. </a:t>
+            </a:r>
+          </a:p>
+          <a:p>
+            <a:pPr lvl="0"/>
             <a:endParaRPr lang="en-US" dirty="0"/>
           </a:p>
         </p:txBody>
@@ -11007,6 +11478,121 @@
                                           <p:spTgt spid="6">
                                             <p:txEl>
                                               <p:pRg st="1" end="1"/>
+                                            </p:txEl>
+                                          </p:spTgt>
+                                        </p:tgtEl>
+                                        <p:attrNameLst>
+                                          <p:attrName>ppt_y</p:attrName>
+                                        </p:attrNameLst>
+                                      </p:cBhvr>
+                                      <p:tavLst>
+                                        <p:tav tm="0">
+                                          <p:val>
+                                            <p:strVal val="#ppt_y+.1"/>
+                                          </p:val>
+                                        </p:tav>
+                                        <p:tav tm="100000">
+                                          <p:val>
+                                            <p:strVal val="#ppt_y"/>
+                                          </p:val>
+                                        </p:tav>
+                                      </p:tavLst>
+                                    </p:anim>
+                                  </p:childTnLst>
+                                </p:cTn>
+                              </p:par>
+                            </p:childTnLst>
+                          </p:cTn>
+                        </p:par>
+                      </p:childTnLst>
+                    </p:cTn>
+                  </p:par>
+                  <p:par>
+                    <p:cTn id="48" fill="hold">
+                      <p:stCondLst>
+                        <p:cond delay="indefinite"/>
+                      </p:stCondLst>
+                      <p:childTnLst>
+                        <p:par>
+                          <p:cTn id="49" fill="hold">
+                            <p:stCondLst>
+                              <p:cond delay="0"/>
+                            </p:stCondLst>
+                            <p:childTnLst>
+                              <p:par>
+                                <p:cTn id="50" presetID="42" presetClass="entr" presetSubtype="0" fill="hold" grpId="0" nodeType="clickEffect">
+                                  <p:stCondLst>
+                                    <p:cond delay="0"/>
+                                  </p:stCondLst>
+                                  <p:childTnLst>
+                                    <p:set>
+                                      <p:cBhvr>
+                                        <p:cTn id="51" dur="1" fill="hold">
+                                          <p:stCondLst>
+                                            <p:cond delay="0"/>
+                                          </p:stCondLst>
+                                        </p:cTn>
+                                        <p:tgtEl>
+                                          <p:spTgt spid="6">
+                                            <p:txEl>
+                                              <p:pRg st="2" end="2"/>
+                                            </p:txEl>
+                                          </p:spTgt>
+                                        </p:tgtEl>
+                                        <p:attrNameLst>
+                                          <p:attrName>style.visibility</p:attrName>
+                                        </p:attrNameLst>
+                                      </p:cBhvr>
+                                      <p:to>
+                                        <p:strVal val="visible"/>
+                                      </p:to>
+                                    </p:set>
+                                    <p:animEffect transition="in" filter="fade">
+                                      <p:cBhvr>
+                                        <p:cTn id="52" dur="1000"/>
+                                        <p:tgtEl>
+                                          <p:spTgt spid="6">
+                                            <p:txEl>
+                                              <p:pRg st="2" end="2"/>
+                                            </p:txEl>
+                                          </p:spTgt>
+                                        </p:tgtEl>
+                                      </p:cBhvr>
+                                    </p:animEffect>
+                                    <p:anim calcmode="lin" valueType="num">
+                                      <p:cBhvr>
+                                        <p:cTn id="53" dur="1000" fill="hold"/>
+                                        <p:tgtEl>
+                                          <p:spTgt spid="6">
+                                            <p:txEl>
+                                              <p:pRg st="2" end="2"/>
+                                            </p:txEl>
+                                          </p:spTgt>
+                                        </p:tgtEl>
+                                        <p:attrNameLst>
+                                          <p:attrName>ppt_x</p:attrName>
+                                        </p:attrNameLst>
+                                      </p:cBhvr>
+                                      <p:tavLst>
+                                        <p:tav tm="0">
+                                          <p:val>
+                                            <p:strVal val="#ppt_x"/>
+                                          </p:val>
+                                        </p:tav>
+                                        <p:tav tm="100000">
+                                          <p:val>
+                                            <p:strVal val="#ppt_x"/>
+                                          </p:val>
+                                        </p:tav>
+                                      </p:tavLst>
+                                    </p:anim>
+                                    <p:anim calcmode="lin" valueType="num">
+                                      <p:cBhvr>
+                                        <p:cTn id="54" dur="1000" fill="hold"/>
+                                        <p:tgtEl>
+                                          <p:spTgt spid="6">
+                                            <p:txEl>
+                                              <p:pRg st="2" end="2"/>
                                             </p:txEl>
                                           </p:spTgt>
                                         </p:tgtEl>
@@ -11166,16 +11752,12 @@
           <a:p>
             <a:pPr lvl="1"/>
             <a:r>
+              <a:rPr lang="en-US" dirty="0" smtClean="0"/>
+              <a:t>There </a:t>
+            </a:r>
+            <a:r>
               <a:rPr lang="en-US" dirty="0"/>
-              <a:t>Developing cost is 150000 for two developers.</a:t>
-            </a:r>
-            <a:endParaRPr lang="en-US" sz="1200" dirty="0"/>
-          </a:p>
-          <a:p>
-            <a:pPr lvl="1"/>
-            <a:r>
-              <a:rPr lang="en-US" dirty="0"/>
-              <a:t>There are no competitor site. So benefits are expected to come shortly.</a:t>
+              <a:t>are no competitor site. So benefits are expected to come shortly.</a:t>
             </a:r>
             <a:endParaRPr lang="en-US" sz="1200" dirty="0"/>
           </a:p>
@@ -11874,103 +12456,6 @@
                                   </p:childTnLst>
                                 </p:cTn>
                               </p:par>
-                              <p:par>
-                                <p:cTn id="37" presetID="42" presetClass="entr" presetSubtype="0" fill="hold" grpId="0" nodeType="withEffect">
-                                  <p:stCondLst>
-                                    <p:cond delay="0"/>
-                                  </p:stCondLst>
-                                  <p:childTnLst>
-                                    <p:set>
-                                      <p:cBhvr>
-                                        <p:cTn id="38" dur="1" fill="hold">
-                                          <p:stCondLst>
-                                            <p:cond delay="0"/>
-                                          </p:stCondLst>
-                                        </p:cTn>
-                                        <p:tgtEl>
-                                          <p:spTgt spid="8">
-                                            <p:txEl>
-                                              <p:pRg st="6" end="6"/>
-                                            </p:txEl>
-                                          </p:spTgt>
-                                        </p:tgtEl>
-                                        <p:attrNameLst>
-                                          <p:attrName>style.visibility</p:attrName>
-                                        </p:attrNameLst>
-                                      </p:cBhvr>
-                                      <p:to>
-                                        <p:strVal val="visible"/>
-                                      </p:to>
-                                    </p:set>
-                                    <p:animEffect transition="in" filter="fade">
-                                      <p:cBhvr>
-                                        <p:cTn id="39" dur="1000"/>
-                                        <p:tgtEl>
-                                          <p:spTgt spid="8">
-                                            <p:txEl>
-                                              <p:pRg st="6" end="6"/>
-                                            </p:txEl>
-                                          </p:spTgt>
-                                        </p:tgtEl>
-                                      </p:cBhvr>
-                                    </p:animEffect>
-                                    <p:anim calcmode="lin" valueType="num">
-                                      <p:cBhvr>
-                                        <p:cTn id="40" dur="1000" fill="hold"/>
-                                        <p:tgtEl>
-                                          <p:spTgt spid="8">
-                                            <p:txEl>
-                                              <p:pRg st="6" end="6"/>
-                                            </p:txEl>
-                                          </p:spTgt>
-                                        </p:tgtEl>
-                                        <p:attrNameLst>
-                                          <p:attrName>ppt_x</p:attrName>
-                                        </p:attrNameLst>
-                                      </p:cBhvr>
-                                      <p:tavLst>
-                                        <p:tav tm="0">
-                                          <p:val>
-                                            <p:strVal val="#ppt_x"/>
-                                          </p:val>
-                                        </p:tav>
-                                        <p:tav tm="100000">
-                                          <p:val>
-                                            <p:strVal val="#ppt_x"/>
-                                          </p:val>
-                                        </p:tav>
-                                      </p:tavLst>
-                                    </p:anim>
-                                    <p:anim calcmode="lin" valueType="num">
-                                      <p:cBhvr>
-                                        <p:cTn id="41" dur="1000" fill="hold"/>
-                                        <p:tgtEl>
-                                          <p:spTgt spid="8">
-                                            <p:txEl>
-                                              <p:pRg st="6" end="6"/>
-                                            </p:txEl>
-                                          </p:spTgt>
-                                        </p:tgtEl>
-                                        <p:attrNameLst>
-                                          <p:attrName>ppt_y</p:attrName>
-                                        </p:attrNameLst>
-                                      </p:cBhvr>
-                                      <p:tavLst>
-                                        <p:tav tm="0">
-                                          <p:val>
-                                            <p:strVal val="#ppt_y+.1"/>
-                                          </p:val>
-                                        </p:tav>
-                                        <p:tav tm="100000">
-                                          <p:val>
-                                            <p:strVal val="#ppt_y"/>
-                                          </p:val>
-                                        </p:tav>
-                                      </p:tavLst>
-                                    </p:anim>
-                                  </p:childTnLst>
-                                </p:cTn>
-                              </p:par>
                             </p:childTnLst>
                           </p:cTn>
                         </p:par>
@@ -11978,19 +12463,116 @@
                     </p:cTn>
                   </p:par>
                   <p:par>
-                    <p:cTn id="42" fill="hold">
+                    <p:cTn id="37" fill="hold">
                       <p:stCondLst>
                         <p:cond delay="indefinite"/>
                       </p:stCondLst>
                       <p:childTnLst>
                         <p:par>
-                          <p:cTn id="43" fill="hold">
+                          <p:cTn id="38" fill="hold">
                             <p:stCondLst>
                               <p:cond delay="0"/>
                             </p:stCondLst>
                             <p:childTnLst>
                               <p:par>
-                                <p:cTn id="44" presetID="42" presetClass="entr" presetSubtype="0" fill="hold" grpId="0" nodeType="clickEffect">
+                                <p:cTn id="39" presetID="42" presetClass="entr" presetSubtype="0" fill="hold" grpId="0" nodeType="clickEffect">
+                                  <p:stCondLst>
+                                    <p:cond delay="0"/>
+                                  </p:stCondLst>
+                                  <p:childTnLst>
+                                    <p:set>
+                                      <p:cBhvr>
+                                        <p:cTn id="40" dur="1" fill="hold">
+                                          <p:stCondLst>
+                                            <p:cond delay="0"/>
+                                          </p:stCondLst>
+                                        </p:cTn>
+                                        <p:tgtEl>
+                                          <p:spTgt spid="8">
+                                            <p:txEl>
+                                              <p:pRg st="6" end="6"/>
+                                            </p:txEl>
+                                          </p:spTgt>
+                                        </p:tgtEl>
+                                        <p:attrNameLst>
+                                          <p:attrName>style.visibility</p:attrName>
+                                        </p:attrNameLst>
+                                      </p:cBhvr>
+                                      <p:to>
+                                        <p:strVal val="visible"/>
+                                      </p:to>
+                                    </p:set>
+                                    <p:animEffect transition="in" filter="fade">
+                                      <p:cBhvr>
+                                        <p:cTn id="41" dur="1000"/>
+                                        <p:tgtEl>
+                                          <p:spTgt spid="8">
+                                            <p:txEl>
+                                              <p:pRg st="6" end="6"/>
+                                            </p:txEl>
+                                          </p:spTgt>
+                                        </p:tgtEl>
+                                      </p:cBhvr>
+                                    </p:animEffect>
+                                    <p:anim calcmode="lin" valueType="num">
+                                      <p:cBhvr>
+                                        <p:cTn id="42" dur="1000" fill="hold"/>
+                                        <p:tgtEl>
+                                          <p:spTgt spid="8">
+                                            <p:txEl>
+                                              <p:pRg st="6" end="6"/>
+                                            </p:txEl>
+                                          </p:spTgt>
+                                        </p:tgtEl>
+                                        <p:attrNameLst>
+                                          <p:attrName>ppt_x</p:attrName>
+                                        </p:attrNameLst>
+                                      </p:cBhvr>
+                                      <p:tavLst>
+                                        <p:tav tm="0">
+                                          <p:val>
+                                            <p:strVal val="#ppt_x"/>
+                                          </p:val>
+                                        </p:tav>
+                                        <p:tav tm="100000">
+                                          <p:val>
+                                            <p:strVal val="#ppt_x"/>
+                                          </p:val>
+                                        </p:tav>
+                                      </p:tavLst>
+                                    </p:anim>
+                                    <p:anim calcmode="lin" valueType="num">
+                                      <p:cBhvr>
+                                        <p:cTn id="43" dur="1000" fill="hold"/>
+                                        <p:tgtEl>
+                                          <p:spTgt spid="8">
+                                            <p:txEl>
+                                              <p:pRg st="6" end="6"/>
+                                            </p:txEl>
+                                          </p:spTgt>
+                                        </p:tgtEl>
+                                        <p:attrNameLst>
+                                          <p:attrName>ppt_y</p:attrName>
+                                        </p:attrNameLst>
+                                      </p:cBhvr>
+                                      <p:tavLst>
+                                        <p:tav tm="0">
+                                          <p:val>
+                                            <p:strVal val="#ppt_y+.1"/>
+                                          </p:val>
+                                        </p:tav>
+                                        <p:tav tm="100000">
+                                          <p:val>
+                                            <p:strVal val="#ppt_y"/>
+                                          </p:val>
+                                        </p:tav>
+                                      </p:tavLst>
+                                    </p:anim>
+                                  </p:childTnLst>
+                                </p:cTn>
+                              </p:par>
+                              <p:par>
+                                <p:cTn id="44" presetID="42" presetClass="entr" presetSubtype="0" fill="hold" grpId="0" nodeType="withEffect">
                                   <p:stCondLst>
                                     <p:cond delay="0"/>
                                   </p:stCondLst>
@@ -12160,103 +12742,6 @@
                                           <p:spTgt spid="8">
                                             <p:txEl>
                                               <p:pRg st="8" end="8"/>
-                                            </p:txEl>
-                                          </p:spTgt>
-                                        </p:tgtEl>
-                                        <p:attrNameLst>
-                                          <p:attrName>ppt_y</p:attrName>
-                                        </p:attrNameLst>
-                                      </p:cBhvr>
-                                      <p:tavLst>
-                                        <p:tav tm="0">
-                                          <p:val>
-                                            <p:strVal val="#ppt_y+.1"/>
-                                          </p:val>
-                                        </p:tav>
-                                        <p:tav tm="100000">
-                                          <p:val>
-                                            <p:strVal val="#ppt_y"/>
-                                          </p:val>
-                                        </p:tav>
-                                      </p:tavLst>
-                                    </p:anim>
-                                  </p:childTnLst>
-                                </p:cTn>
-                              </p:par>
-                              <p:par>
-                                <p:cTn id="54" presetID="42" presetClass="entr" presetSubtype="0" fill="hold" grpId="0" nodeType="withEffect">
-                                  <p:stCondLst>
-                                    <p:cond delay="0"/>
-                                  </p:stCondLst>
-                                  <p:childTnLst>
-                                    <p:set>
-                                      <p:cBhvr>
-                                        <p:cTn id="55" dur="1" fill="hold">
-                                          <p:stCondLst>
-                                            <p:cond delay="0"/>
-                                          </p:stCondLst>
-                                        </p:cTn>
-                                        <p:tgtEl>
-                                          <p:spTgt spid="8">
-                                            <p:txEl>
-                                              <p:pRg st="9" end="9"/>
-                                            </p:txEl>
-                                          </p:spTgt>
-                                        </p:tgtEl>
-                                        <p:attrNameLst>
-                                          <p:attrName>style.visibility</p:attrName>
-                                        </p:attrNameLst>
-                                      </p:cBhvr>
-                                      <p:to>
-                                        <p:strVal val="visible"/>
-                                      </p:to>
-                                    </p:set>
-                                    <p:animEffect transition="in" filter="fade">
-                                      <p:cBhvr>
-                                        <p:cTn id="56" dur="1000"/>
-                                        <p:tgtEl>
-                                          <p:spTgt spid="8">
-                                            <p:txEl>
-                                              <p:pRg st="9" end="9"/>
-                                            </p:txEl>
-                                          </p:spTgt>
-                                        </p:tgtEl>
-                                      </p:cBhvr>
-                                    </p:animEffect>
-                                    <p:anim calcmode="lin" valueType="num">
-                                      <p:cBhvr>
-                                        <p:cTn id="57" dur="1000" fill="hold"/>
-                                        <p:tgtEl>
-                                          <p:spTgt spid="8">
-                                            <p:txEl>
-                                              <p:pRg st="9" end="9"/>
-                                            </p:txEl>
-                                          </p:spTgt>
-                                        </p:tgtEl>
-                                        <p:attrNameLst>
-                                          <p:attrName>ppt_x</p:attrName>
-                                        </p:attrNameLst>
-                                      </p:cBhvr>
-                                      <p:tavLst>
-                                        <p:tav tm="0">
-                                          <p:val>
-                                            <p:strVal val="#ppt_x"/>
-                                          </p:val>
-                                        </p:tav>
-                                        <p:tav tm="100000">
-                                          <p:val>
-                                            <p:strVal val="#ppt_x"/>
-                                          </p:val>
-                                        </p:tav>
-                                      </p:tavLst>
-                                    </p:anim>
-                                    <p:anim calcmode="lin" valueType="num">
-                                      <p:cBhvr>
-                                        <p:cTn id="58" dur="1000" fill="hold"/>
-                                        <p:tgtEl>
-                                          <p:spTgt spid="8">
-                                            <p:txEl>
-                                              <p:pRg st="9" end="9"/>
                                             </p:txEl>
                                           </p:spTgt>
                                         </p:tgtEl>
